--- a/figs/figs.pptx
+++ b/figs/figs.pptx
@@ -6,6 +6,7 @@
   </p:sldMasterIdLst>
   <p:sldIdLst>
     <p:sldId id="256" r:id="rId2"/>
+    <p:sldId id="257" r:id="rId3"/>
   </p:sldIdLst>
   <p:sldSz cx="12192000" cy="6858000"/>
   <p:notesSz cx="6858000" cy="9144000"/>
@@ -104,6 +105,11 @@
       </a:defRPr>
     </a:lvl9pPr>
   </p:defaultTextStyle>
+  <p:extLst>
+    <p:ext uri="{EFAFB233-063F-42B5-8137-9DF3F51BA10A}">
+      <p15:sldGuideLst xmlns:p15="http://schemas.microsoft.com/office/powerpoint/2012/main"/>
+    </p:ext>
+  </p:extLst>
 </p:presentation>
 </file>
 
@@ -149,10 +155,9 @@
           </a:lstStyle>
           <a:p>
             <a:r>
-              <a:rPr kumimoji="1" lang="ja-JP" altLang="en-US" smtClean="0"/>
+              <a:rPr kumimoji="1" lang="ja-JP" altLang="en-US"/>
               <a:t>マスター タイトルの書式設定</a:t>
             </a:r>
-            <a:endParaRPr kumimoji="1" lang="ja-JP" altLang="en-US"/>
           </a:p>
         </p:txBody>
       </p:sp>
@@ -214,10 +219,9 @@
           </a:lstStyle>
           <a:p>
             <a:r>
-              <a:rPr kumimoji="1" lang="ja-JP" altLang="en-US" smtClean="0"/>
+              <a:rPr kumimoji="1" lang="ja-JP" altLang="en-US"/>
               <a:t>マスター サブタイトルの書式設定</a:t>
             </a:r>
-            <a:endParaRPr kumimoji="1" lang="ja-JP" altLang="en-US"/>
           </a:p>
         </p:txBody>
       </p:sp>
@@ -238,7 +242,7 @@
           <a:p>
             <a:fld id="{11918F96-250B-4A73-B3FA-B761650A84C3}" type="datetimeFigureOut">
               <a:rPr kumimoji="1" lang="ja-JP" altLang="en-US" smtClean="0"/>
-              <a:t>2022/3/12</a:t>
+              <a:t>2022/3/27</a:t>
             </a:fld>
             <a:endParaRPr kumimoji="1" lang="ja-JP" altLang="en-US"/>
           </a:p>
@@ -332,10 +336,9 @@
           <a:lstStyle/>
           <a:p>
             <a:r>
-              <a:rPr kumimoji="1" lang="ja-JP" altLang="en-US" smtClean="0"/>
+              <a:rPr kumimoji="1" lang="ja-JP" altLang="en-US"/>
               <a:t>マスター タイトルの書式設定</a:t>
             </a:r>
-            <a:endParaRPr kumimoji="1" lang="ja-JP" altLang="en-US"/>
           </a:p>
         </p:txBody>
       </p:sp>
@@ -356,70 +359,69 @@
           <a:p>
             <a:pPr lvl="0"/>
             <a:r>
-              <a:rPr kumimoji="1" lang="ja-JP" altLang="en-US" smtClean="0"/>
+              <a:rPr kumimoji="1" lang="ja-JP" altLang="en-US"/>
               <a:t>マスター テキストの書式設定</a:t>
             </a:r>
           </a:p>
           <a:p>
             <a:pPr lvl="1"/>
             <a:r>
-              <a:rPr kumimoji="1" lang="ja-JP" altLang="en-US" smtClean="0"/>
+              <a:rPr kumimoji="1" lang="ja-JP" altLang="en-US"/>
               <a:t>第 </a:t>
             </a:r>
             <a:r>
-              <a:rPr kumimoji="1" lang="en-US" altLang="ja-JP" smtClean="0"/>
+              <a:rPr kumimoji="1" lang="en-US" altLang="ja-JP"/>
               <a:t>2 </a:t>
             </a:r>
             <a:r>
-              <a:rPr kumimoji="1" lang="ja-JP" altLang="en-US" smtClean="0"/>
+              <a:rPr kumimoji="1" lang="ja-JP" altLang="en-US"/>
               <a:t>レベル</a:t>
             </a:r>
           </a:p>
           <a:p>
             <a:pPr lvl="2"/>
             <a:r>
-              <a:rPr kumimoji="1" lang="ja-JP" altLang="en-US" smtClean="0"/>
+              <a:rPr kumimoji="1" lang="ja-JP" altLang="en-US"/>
               <a:t>第 </a:t>
             </a:r>
             <a:r>
-              <a:rPr kumimoji="1" lang="en-US" altLang="ja-JP" smtClean="0"/>
+              <a:rPr kumimoji="1" lang="en-US" altLang="ja-JP"/>
               <a:t>3 </a:t>
             </a:r>
             <a:r>
-              <a:rPr kumimoji="1" lang="ja-JP" altLang="en-US" smtClean="0"/>
+              <a:rPr kumimoji="1" lang="ja-JP" altLang="en-US"/>
               <a:t>レベル</a:t>
             </a:r>
           </a:p>
           <a:p>
             <a:pPr lvl="3"/>
             <a:r>
-              <a:rPr kumimoji="1" lang="ja-JP" altLang="en-US" smtClean="0"/>
+              <a:rPr kumimoji="1" lang="ja-JP" altLang="en-US"/>
               <a:t>第 </a:t>
             </a:r>
             <a:r>
-              <a:rPr kumimoji="1" lang="en-US" altLang="ja-JP" smtClean="0"/>
+              <a:rPr kumimoji="1" lang="en-US" altLang="ja-JP"/>
               <a:t>4 </a:t>
             </a:r>
             <a:r>
-              <a:rPr kumimoji="1" lang="ja-JP" altLang="en-US" smtClean="0"/>
+              <a:rPr kumimoji="1" lang="ja-JP" altLang="en-US"/>
               <a:t>レベル</a:t>
             </a:r>
           </a:p>
           <a:p>
             <a:pPr lvl="4"/>
             <a:r>
-              <a:rPr kumimoji="1" lang="ja-JP" altLang="en-US" smtClean="0"/>
+              <a:rPr kumimoji="1" lang="ja-JP" altLang="en-US"/>
               <a:t>第 </a:t>
             </a:r>
             <a:r>
-              <a:rPr kumimoji="1" lang="en-US" altLang="ja-JP" smtClean="0"/>
+              <a:rPr kumimoji="1" lang="en-US" altLang="ja-JP"/>
               <a:t>5 </a:t>
             </a:r>
             <a:r>
-              <a:rPr kumimoji="1" lang="ja-JP" altLang="en-US" smtClean="0"/>
+              <a:rPr kumimoji="1" lang="ja-JP" altLang="en-US"/>
               <a:t>レベル</a:t>
             </a:r>
-            <a:endParaRPr kumimoji="1" lang="ja-JP" altLang="en-US"/>
           </a:p>
         </p:txBody>
       </p:sp>
@@ -440,7 +442,7 @@
           <a:p>
             <a:fld id="{11918F96-250B-4A73-B3FA-B761650A84C3}" type="datetimeFigureOut">
               <a:rPr kumimoji="1" lang="ja-JP" altLang="en-US" smtClean="0"/>
-              <a:t>2022/3/12</a:t>
+              <a:t>2022/3/27</a:t>
             </a:fld>
             <a:endParaRPr kumimoji="1" lang="ja-JP" altLang="en-US"/>
           </a:p>
@@ -539,10 +541,9 @@
           <a:lstStyle/>
           <a:p>
             <a:r>
-              <a:rPr kumimoji="1" lang="ja-JP" altLang="en-US" smtClean="0"/>
+              <a:rPr kumimoji="1" lang="ja-JP" altLang="en-US"/>
               <a:t>マスター タイトルの書式設定</a:t>
             </a:r>
-            <a:endParaRPr kumimoji="1" lang="ja-JP" altLang="en-US"/>
           </a:p>
         </p:txBody>
       </p:sp>
@@ -568,70 +569,69 @@
           <a:p>
             <a:pPr lvl="0"/>
             <a:r>
-              <a:rPr kumimoji="1" lang="ja-JP" altLang="en-US" smtClean="0"/>
+              <a:rPr kumimoji="1" lang="ja-JP" altLang="en-US"/>
               <a:t>マスター テキストの書式設定</a:t>
             </a:r>
           </a:p>
           <a:p>
             <a:pPr lvl="1"/>
             <a:r>
-              <a:rPr kumimoji="1" lang="ja-JP" altLang="en-US" smtClean="0"/>
+              <a:rPr kumimoji="1" lang="ja-JP" altLang="en-US"/>
               <a:t>第 </a:t>
             </a:r>
             <a:r>
-              <a:rPr kumimoji="1" lang="en-US" altLang="ja-JP" smtClean="0"/>
+              <a:rPr kumimoji="1" lang="en-US" altLang="ja-JP"/>
               <a:t>2 </a:t>
             </a:r>
             <a:r>
-              <a:rPr kumimoji="1" lang="ja-JP" altLang="en-US" smtClean="0"/>
+              <a:rPr kumimoji="1" lang="ja-JP" altLang="en-US"/>
               <a:t>レベル</a:t>
             </a:r>
           </a:p>
           <a:p>
             <a:pPr lvl="2"/>
             <a:r>
-              <a:rPr kumimoji="1" lang="ja-JP" altLang="en-US" smtClean="0"/>
+              <a:rPr kumimoji="1" lang="ja-JP" altLang="en-US"/>
               <a:t>第 </a:t>
             </a:r>
             <a:r>
-              <a:rPr kumimoji="1" lang="en-US" altLang="ja-JP" smtClean="0"/>
+              <a:rPr kumimoji="1" lang="en-US" altLang="ja-JP"/>
               <a:t>3 </a:t>
             </a:r>
             <a:r>
-              <a:rPr kumimoji="1" lang="ja-JP" altLang="en-US" smtClean="0"/>
+              <a:rPr kumimoji="1" lang="ja-JP" altLang="en-US"/>
               <a:t>レベル</a:t>
             </a:r>
           </a:p>
           <a:p>
             <a:pPr lvl="3"/>
             <a:r>
-              <a:rPr kumimoji="1" lang="ja-JP" altLang="en-US" smtClean="0"/>
+              <a:rPr kumimoji="1" lang="ja-JP" altLang="en-US"/>
               <a:t>第 </a:t>
             </a:r>
             <a:r>
-              <a:rPr kumimoji="1" lang="en-US" altLang="ja-JP" smtClean="0"/>
+              <a:rPr kumimoji="1" lang="en-US" altLang="ja-JP"/>
               <a:t>4 </a:t>
             </a:r>
             <a:r>
-              <a:rPr kumimoji="1" lang="ja-JP" altLang="en-US" smtClean="0"/>
+              <a:rPr kumimoji="1" lang="ja-JP" altLang="en-US"/>
               <a:t>レベル</a:t>
             </a:r>
           </a:p>
           <a:p>
             <a:pPr lvl="4"/>
             <a:r>
-              <a:rPr kumimoji="1" lang="ja-JP" altLang="en-US" smtClean="0"/>
+              <a:rPr kumimoji="1" lang="ja-JP" altLang="en-US"/>
               <a:t>第 </a:t>
             </a:r>
             <a:r>
-              <a:rPr kumimoji="1" lang="en-US" altLang="ja-JP" smtClean="0"/>
+              <a:rPr kumimoji="1" lang="en-US" altLang="ja-JP"/>
               <a:t>5 </a:t>
             </a:r>
             <a:r>
-              <a:rPr kumimoji="1" lang="ja-JP" altLang="en-US" smtClean="0"/>
+              <a:rPr kumimoji="1" lang="ja-JP" altLang="en-US"/>
               <a:t>レベル</a:t>
             </a:r>
-            <a:endParaRPr kumimoji="1" lang="ja-JP" altLang="en-US"/>
           </a:p>
         </p:txBody>
       </p:sp>
@@ -652,7 +652,7 @@
           <a:p>
             <a:fld id="{11918F96-250B-4A73-B3FA-B761650A84C3}" type="datetimeFigureOut">
               <a:rPr kumimoji="1" lang="ja-JP" altLang="en-US" smtClean="0"/>
-              <a:t>2022/3/12</a:t>
+              <a:t>2022/3/27</a:t>
             </a:fld>
             <a:endParaRPr kumimoji="1" lang="ja-JP" altLang="en-US"/>
           </a:p>
@@ -746,10 +746,9 @@
           <a:lstStyle/>
           <a:p>
             <a:r>
-              <a:rPr kumimoji="1" lang="ja-JP" altLang="en-US" smtClean="0"/>
+              <a:rPr kumimoji="1" lang="ja-JP" altLang="en-US"/>
               <a:t>マスター タイトルの書式設定</a:t>
             </a:r>
-            <a:endParaRPr kumimoji="1" lang="ja-JP" altLang="en-US"/>
           </a:p>
         </p:txBody>
       </p:sp>
@@ -770,70 +769,69 @@
           <a:p>
             <a:pPr lvl="0"/>
             <a:r>
-              <a:rPr kumimoji="1" lang="ja-JP" altLang="en-US" smtClean="0"/>
+              <a:rPr kumimoji="1" lang="ja-JP" altLang="en-US"/>
               <a:t>マスター テキストの書式設定</a:t>
             </a:r>
           </a:p>
           <a:p>
             <a:pPr lvl="1"/>
             <a:r>
-              <a:rPr kumimoji="1" lang="ja-JP" altLang="en-US" smtClean="0"/>
+              <a:rPr kumimoji="1" lang="ja-JP" altLang="en-US"/>
               <a:t>第 </a:t>
             </a:r>
             <a:r>
-              <a:rPr kumimoji="1" lang="en-US" altLang="ja-JP" smtClean="0"/>
+              <a:rPr kumimoji="1" lang="en-US" altLang="ja-JP"/>
               <a:t>2 </a:t>
             </a:r>
             <a:r>
-              <a:rPr kumimoji="1" lang="ja-JP" altLang="en-US" smtClean="0"/>
+              <a:rPr kumimoji="1" lang="ja-JP" altLang="en-US"/>
               <a:t>レベル</a:t>
             </a:r>
           </a:p>
           <a:p>
             <a:pPr lvl="2"/>
             <a:r>
-              <a:rPr kumimoji="1" lang="ja-JP" altLang="en-US" smtClean="0"/>
+              <a:rPr kumimoji="1" lang="ja-JP" altLang="en-US"/>
               <a:t>第 </a:t>
             </a:r>
             <a:r>
-              <a:rPr kumimoji="1" lang="en-US" altLang="ja-JP" smtClean="0"/>
+              <a:rPr kumimoji="1" lang="en-US" altLang="ja-JP"/>
               <a:t>3 </a:t>
             </a:r>
             <a:r>
-              <a:rPr kumimoji="1" lang="ja-JP" altLang="en-US" smtClean="0"/>
+              <a:rPr kumimoji="1" lang="ja-JP" altLang="en-US"/>
               <a:t>レベル</a:t>
             </a:r>
           </a:p>
           <a:p>
             <a:pPr lvl="3"/>
             <a:r>
-              <a:rPr kumimoji="1" lang="ja-JP" altLang="en-US" smtClean="0"/>
+              <a:rPr kumimoji="1" lang="ja-JP" altLang="en-US"/>
               <a:t>第 </a:t>
             </a:r>
             <a:r>
-              <a:rPr kumimoji="1" lang="en-US" altLang="ja-JP" smtClean="0"/>
+              <a:rPr kumimoji="1" lang="en-US" altLang="ja-JP"/>
               <a:t>4 </a:t>
             </a:r>
             <a:r>
-              <a:rPr kumimoji="1" lang="ja-JP" altLang="en-US" smtClean="0"/>
+              <a:rPr kumimoji="1" lang="ja-JP" altLang="en-US"/>
               <a:t>レベル</a:t>
             </a:r>
           </a:p>
           <a:p>
             <a:pPr lvl="4"/>
             <a:r>
-              <a:rPr kumimoji="1" lang="ja-JP" altLang="en-US" smtClean="0"/>
+              <a:rPr kumimoji="1" lang="ja-JP" altLang="en-US"/>
               <a:t>第 </a:t>
             </a:r>
             <a:r>
-              <a:rPr kumimoji="1" lang="en-US" altLang="ja-JP" smtClean="0"/>
+              <a:rPr kumimoji="1" lang="en-US" altLang="ja-JP"/>
               <a:t>5 </a:t>
             </a:r>
             <a:r>
-              <a:rPr kumimoji="1" lang="ja-JP" altLang="en-US" smtClean="0"/>
+              <a:rPr kumimoji="1" lang="ja-JP" altLang="en-US"/>
               <a:t>レベル</a:t>
             </a:r>
-            <a:endParaRPr kumimoji="1" lang="ja-JP" altLang="en-US"/>
           </a:p>
         </p:txBody>
       </p:sp>
@@ -854,7 +852,7 @@
           <a:p>
             <a:fld id="{11918F96-250B-4A73-B3FA-B761650A84C3}" type="datetimeFigureOut">
               <a:rPr kumimoji="1" lang="ja-JP" altLang="en-US" smtClean="0"/>
-              <a:t>2022/3/12</a:t>
+              <a:t>2022/3/27</a:t>
             </a:fld>
             <a:endParaRPr kumimoji="1" lang="ja-JP" altLang="en-US"/>
           </a:p>
@@ -957,10 +955,9 @@
           </a:lstStyle>
           <a:p>
             <a:r>
-              <a:rPr kumimoji="1" lang="ja-JP" altLang="en-US" smtClean="0"/>
+              <a:rPr kumimoji="1" lang="ja-JP" altLang="en-US"/>
               <a:t>マスター タイトルの書式設定</a:t>
             </a:r>
-            <a:endParaRPr kumimoji="1" lang="ja-JP" altLang="en-US"/>
           </a:p>
         </p:txBody>
       </p:sp>
@@ -1077,7 +1074,7 @@
           <a:p>
             <a:pPr lvl="0"/>
             <a:r>
-              <a:rPr kumimoji="1" lang="ja-JP" altLang="en-US" smtClean="0"/>
+              <a:rPr kumimoji="1" lang="ja-JP" altLang="en-US"/>
               <a:t>マスター テキストの書式設定</a:t>
             </a:r>
           </a:p>
@@ -1100,7 +1097,7 @@
           <a:p>
             <a:fld id="{11918F96-250B-4A73-B3FA-B761650A84C3}" type="datetimeFigureOut">
               <a:rPr kumimoji="1" lang="ja-JP" altLang="en-US" smtClean="0"/>
-              <a:t>2022/3/12</a:t>
+              <a:t>2022/3/27</a:t>
             </a:fld>
             <a:endParaRPr kumimoji="1" lang="ja-JP" altLang="en-US"/>
           </a:p>
@@ -1194,10 +1191,9 @@
           <a:lstStyle/>
           <a:p>
             <a:r>
-              <a:rPr kumimoji="1" lang="ja-JP" altLang="en-US" smtClean="0"/>
+              <a:rPr kumimoji="1" lang="ja-JP" altLang="en-US"/>
               <a:t>マスター タイトルの書式設定</a:t>
             </a:r>
-            <a:endParaRPr kumimoji="1" lang="ja-JP" altLang="en-US"/>
           </a:p>
         </p:txBody>
       </p:sp>
@@ -1223,70 +1219,69 @@
           <a:p>
             <a:pPr lvl="0"/>
             <a:r>
-              <a:rPr kumimoji="1" lang="ja-JP" altLang="en-US" smtClean="0"/>
+              <a:rPr kumimoji="1" lang="ja-JP" altLang="en-US"/>
               <a:t>マスター テキストの書式設定</a:t>
             </a:r>
           </a:p>
           <a:p>
             <a:pPr lvl="1"/>
             <a:r>
-              <a:rPr kumimoji="1" lang="ja-JP" altLang="en-US" smtClean="0"/>
+              <a:rPr kumimoji="1" lang="ja-JP" altLang="en-US"/>
               <a:t>第 </a:t>
             </a:r>
             <a:r>
-              <a:rPr kumimoji="1" lang="en-US" altLang="ja-JP" smtClean="0"/>
+              <a:rPr kumimoji="1" lang="en-US" altLang="ja-JP"/>
               <a:t>2 </a:t>
             </a:r>
             <a:r>
-              <a:rPr kumimoji="1" lang="ja-JP" altLang="en-US" smtClean="0"/>
+              <a:rPr kumimoji="1" lang="ja-JP" altLang="en-US"/>
               <a:t>レベル</a:t>
             </a:r>
           </a:p>
           <a:p>
             <a:pPr lvl="2"/>
             <a:r>
-              <a:rPr kumimoji="1" lang="ja-JP" altLang="en-US" smtClean="0"/>
+              <a:rPr kumimoji="1" lang="ja-JP" altLang="en-US"/>
               <a:t>第 </a:t>
             </a:r>
             <a:r>
-              <a:rPr kumimoji="1" lang="en-US" altLang="ja-JP" smtClean="0"/>
+              <a:rPr kumimoji="1" lang="en-US" altLang="ja-JP"/>
               <a:t>3 </a:t>
             </a:r>
             <a:r>
-              <a:rPr kumimoji="1" lang="ja-JP" altLang="en-US" smtClean="0"/>
+              <a:rPr kumimoji="1" lang="ja-JP" altLang="en-US"/>
               <a:t>レベル</a:t>
             </a:r>
           </a:p>
           <a:p>
             <a:pPr lvl="3"/>
             <a:r>
-              <a:rPr kumimoji="1" lang="ja-JP" altLang="en-US" smtClean="0"/>
+              <a:rPr kumimoji="1" lang="ja-JP" altLang="en-US"/>
               <a:t>第 </a:t>
             </a:r>
             <a:r>
-              <a:rPr kumimoji="1" lang="en-US" altLang="ja-JP" smtClean="0"/>
+              <a:rPr kumimoji="1" lang="en-US" altLang="ja-JP"/>
               <a:t>4 </a:t>
             </a:r>
             <a:r>
-              <a:rPr kumimoji="1" lang="ja-JP" altLang="en-US" smtClean="0"/>
+              <a:rPr kumimoji="1" lang="ja-JP" altLang="en-US"/>
               <a:t>レベル</a:t>
             </a:r>
           </a:p>
           <a:p>
             <a:pPr lvl="4"/>
             <a:r>
-              <a:rPr kumimoji="1" lang="ja-JP" altLang="en-US" smtClean="0"/>
+              <a:rPr kumimoji="1" lang="ja-JP" altLang="en-US"/>
               <a:t>第 </a:t>
             </a:r>
             <a:r>
-              <a:rPr kumimoji="1" lang="en-US" altLang="ja-JP" smtClean="0"/>
+              <a:rPr kumimoji="1" lang="en-US" altLang="ja-JP"/>
               <a:t>5 </a:t>
             </a:r>
             <a:r>
-              <a:rPr kumimoji="1" lang="ja-JP" altLang="en-US" smtClean="0"/>
+              <a:rPr kumimoji="1" lang="ja-JP" altLang="en-US"/>
               <a:t>レベル</a:t>
             </a:r>
-            <a:endParaRPr kumimoji="1" lang="ja-JP" altLang="en-US"/>
           </a:p>
         </p:txBody>
       </p:sp>
@@ -1312,70 +1307,69 @@
           <a:p>
             <a:pPr lvl="0"/>
             <a:r>
-              <a:rPr kumimoji="1" lang="ja-JP" altLang="en-US" smtClean="0"/>
+              <a:rPr kumimoji="1" lang="ja-JP" altLang="en-US"/>
               <a:t>マスター テキストの書式設定</a:t>
             </a:r>
           </a:p>
           <a:p>
             <a:pPr lvl="1"/>
             <a:r>
-              <a:rPr kumimoji="1" lang="ja-JP" altLang="en-US" smtClean="0"/>
+              <a:rPr kumimoji="1" lang="ja-JP" altLang="en-US"/>
               <a:t>第 </a:t>
             </a:r>
             <a:r>
-              <a:rPr kumimoji="1" lang="en-US" altLang="ja-JP" smtClean="0"/>
+              <a:rPr kumimoji="1" lang="en-US" altLang="ja-JP"/>
               <a:t>2 </a:t>
             </a:r>
             <a:r>
-              <a:rPr kumimoji="1" lang="ja-JP" altLang="en-US" smtClean="0"/>
+              <a:rPr kumimoji="1" lang="ja-JP" altLang="en-US"/>
               <a:t>レベル</a:t>
             </a:r>
           </a:p>
           <a:p>
             <a:pPr lvl="2"/>
             <a:r>
-              <a:rPr kumimoji="1" lang="ja-JP" altLang="en-US" smtClean="0"/>
+              <a:rPr kumimoji="1" lang="ja-JP" altLang="en-US"/>
               <a:t>第 </a:t>
             </a:r>
             <a:r>
-              <a:rPr kumimoji="1" lang="en-US" altLang="ja-JP" smtClean="0"/>
+              <a:rPr kumimoji="1" lang="en-US" altLang="ja-JP"/>
               <a:t>3 </a:t>
             </a:r>
             <a:r>
-              <a:rPr kumimoji="1" lang="ja-JP" altLang="en-US" smtClean="0"/>
+              <a:rPr kumimoji="1" lang="ja-JP" altLang="en-US"/>
               <a:t>レベル</a:t>
             </a:r>
           </a:p>
           <a:p>
             <a:pPr lvl="3"/>
             <a:r>
-              <a:rPr kumimoji="1" lang="ja-JP" altLang="en-US" smtClean="0"/>
+              <a:rPr kumimoji="1" lang="ja-JP" altLang="en-US"/>
               <a:t>第 </a:t>
             </a:r>
             <a:r>
-              <a:rPr kumimoji="1" lang="en-US" altLang="ja-JP" smtClean="0"/>
+              <a:rPr kumimoji="1" lang="en-US" altLang="ja-JP"/>
               <a:t>4 </a:t>
             </a:r>
             <a:r>
-              <a:rPr kumimoji="1" lang="ja-JP" altLang="en-US" smtClean="0"/>
+              <a:rPr kumimoji="1" lang="ja-JP" altLang="en-US"/>
               <a:t>レベル</a:t>
             </a:r>
           </a:p>
           <a:p>
             <a:pPr lvl="4"/>
             <a:r>
-              <a:rPr kumimoji="1" lang="ja-JP" altLang="en-US" smtClean="0"/>
+              <a:rPr kumimoji="1" lang="ja-JP" altLang="en-US"/>
               <a:t>第 </a:t>
             </a:r>
             <a:r>
-              <a:rPr kumimoji="1" lang="en-US" altLang="ja-JP" smtClean="0"/>
+              <a:rPr kumimoji="1" lang="en-US" altLang="ja-JP"/>
               <a:t>5 </a:t>
             </a:r>
             <a:r>
-              <a:rPr kumimoji="1" lang="ja-JP" altLang="en-US" smtClean="0"/>
+              <a:rPr kumimoji="1" lang="ja-JP" altLang="en-US"/>
               <a:t>レベル</a:t>
             </a:r>
-            <a:endParaRPr kumimoji="1" lang="ja-JP" altLang="en-US"/>
           </a:p>
         </p:txBody>
       </p:sp>
@@ -1396,7 +1390,7 @@
           <a:p>
             <a:fld id="{11918F96-250B-4A73-B3FA-B761650A84C3}" type="datetimeFigureOut">
               <a:rPr kumimoji="1" lang="ja-JP" altLang="en-US" smtClean="0"/>
-              <a:t>2022/3/12</a:t>
+              <a:t>2022/3/27</a:t>
             </a:fld>
             <a:endParaRPr kumimoji="1" lang="ja-JP" altLang="en-US"/>
           </a:p>
@@ -1495,10 +1489,9 @@
           <a:lstStyle/>
           <a:p>
             <a:r>
-              <a:rPr kumimoji="1" lang="ja-JP" altLang="en-US" smtClean="0"/>
+              <a:rPr kumimoji="1" lang="ja-JP" altLang="en-US"/>
               <a:t>マスター タイトルの書式設定</a:t>
             </a:r>
-            <a:endParaRPr kumimoji="1" lang="ja-JP" altLang="en-US"/>
           </a:p>
         </p:txBody>
       </p:sp>
@@ -1561,7 +1554,7 @@
           <a:p>
             <a:pPr lvl="0"/>
             <a:r>
-              <a:rPr kumimoji="1" lang="ja-JP" altLang="en-US" smtClean="0"/>
+              <a:rPr kumimoji="1" lang="ja-JP" altLang="en-US"/>
               <a:t>マスター テキストの書式設定</a:t>
             </a:r>
           </a:p>
@@ -1589,70 +1582,69 @@
           <a:p>
             <a:pPr lvl="0"/>
             <a:r>
-              <a:rPr kumimoji="1" lang="ja-JP" altLang="en-US" smtClean="0"/>
+              <a:rPr kumimoji="1" lang="ja-JP" altLang="en-US"/>
               <a:t>マスター テキストの書式設定</a:t>
             </a:r>
           </a:p>
           <a:p>
             <a:pPr lvl="1"/>
             <a:r>
-              <a:rPr kumimoji="1" lang="ja-JP" altLang="en-US" smtClean="0"/>
+              <a:rPr kumimoji="1" lang="ja-JP" altLang="en-US"/>
               <a:t>第 </a:t>
             </a:r>
             <a:r>
-              <a:rPr kumimoji="1" lang="en-US" altLang="ja-JP" smtClean="0"/>
+              <a:rPr kumimoji="1" lang="en-US" altLang="ja-JP"/>
               <a:t>2 </a:t>
             </a:r>
             <a:r>
-              <a:rPr kumimoji="1" lang="ja-JP" altLang="en-US" smtClean="0"/>
+              <a:rPr kumimoji="1" lang="ja-JP" altLang="en-US"/>
               <a:t>レベル</a:t>
             </a:r>
           </a:p>
           <a:p>
             <a:pPr lvl="2"/>
             <a:r>
-              <a:rPr kumimoji="1" lang="ja-JP" altLang="en-US" smtClean="0"/>
+              <a:rPr kumimoji="1" lang="ja-JP" altLang="en-US"/>
               <a:t>第 </a:t>
             </a:r>
             <a:r>
-              <a:rPr kumimoji="1" lang="en-US" altLang="ja-JP" smtClean="0"/>
+              <a:rPr kumimoji="1" lang="en-US" altLang="ja-JP"/>
               <a:t>3 </a:t>
             </a:r>
             <a:r>
-              <a:rPr kumimoji="1" lang="ja-JP" altLang="en-US" smtClean="0"/>
+              <a:rPr kumimoji="1" lang="ja-JP" altLang="en-US"/>
               <a:t>レベル</a:t>
             </a:r>
           </a:p>
           <a:p>
             <a:pPr lvl="3"/>
             <a:r>
-              <a:rPr kumimoji="1" lang="ja-JP" altLang="en-US" smtClean="0"/>
+              <a:rPr kumimoji="1" lang="ja-JP" altLang="en-US"/>
               <a:t>第 </a:t>
             </a:r>
             <a:r>
-              <a:rPr kumimoji="1" lang="en-US" altLang="ja-JP" smtClean="0"/>
+              <a:rPr kumimoji="1" lang="en-US" altLang="ja-JP"/>
               <a:t>4 </a:t>
             </a:r>
             <a:r>
-              <a:rPr kumimoji="1" lang="ja-JP" altLang="en-US" smtClean="0"/>
+              <a:rPr kumimoji="1" lang="ja-JP" altLang="en-US"/>
               <a:t>レベル</a:t>
             </a:r>
           </a:p>
           <a:p>
             <a:pPr lvl="4"/>
             <a:r>
-              <a:rPr kumimoji="1" lang="ja-JP" altLang="en-US" smtClean="0"/>
+              <a:rPr kumimoji="1" lang="ja-JP" altLang="en-US"/>
               <a:t>第 </a:t>
             </a:r>
             <a:r>
-              <a:rPr kumimoji="1" lang="en-US" altLang="ja-JP" smtClean="0"/>
+              <a:rPr kumimoji="1" lang="en-US" altLang="ja-JP"/>
               <a:t>5 </a:t>
             </a:r>
             <a:r>
-              <a:rPr kumimoji="1" lang="ja-JP" altLang="en-US" smtClean="0"/>
+              <a:rPr kumimoji="1" lang="ja-JP" altLang="en-US"/>
               <a:t>レベル</a:t>
             </a:r>
-            <a:endParaRPr kumimoji="1" lang="ja-JP" altLang="en-US"/>
           </a:p>
         </p:txBody>
       </p:sp>
@@ -1715,7 +1707,7 @@
           <a:p>
             <a:pPr lvl="0"/>
             <a:r>
-              <a:rPr kumimoji="1" lang="ja-JP" altLang="en-US" smtClean="0"/>
+              <a:rPr kumimoji="1" lang="ja-JP" altLang="en-US"/>
               <a:t>マスター テキストの書式設定</a:t>
             </a:r>
           </a:p>
@@ -1743,70 +1735,69 @@
           <a:p>
             <a:pPr lvl="0"/>
             <a:r>
-              <a:rPr kumimoji="1" lang="ja-JP" altLang="en-US" smtClean="0"/>
+              <a:rPr kumimoji="1" lang="ja-JP" altLang="en-US"/>
               <a:t>マスター テキストの書式設定</a:t>
             </a:r>
           </a:p>
           <a:p>
             <a:pPr lvl="1"/>
             <a:r>
-              <a:rPr kumimoji="1" lang="ja-JP" altLang="en-US" smtClean="0"/>
+              <a:rPr kumimoji="1" lang="ja-JP" altLang="en-US"/>
               <a:t>第 </a:t>
             </a:r>
             <a:r>
-              <a:rPr kumimoji="1" lang="en-US" altLang="ja-JP" smtClean="0"/>
+              <a:rPr kumimoji="1" lang="en-US" altLang="ja-JP"/>
               <a:t>2 </a:t>
             </a:r>
             <a:r>
-              <a:rPr kumimoji="1" lang="ja-JP" altLang="en-US" smtClean="0"/>
+              <a:rPr kumimoji="1" lang="ja-JP" altLang="en-US"/>
               <a:t>レベル</a:t>
             </a:r>
           </a:p>
           <a:p>
             <a:pPr lvl="2"/>
             <a:r>
-              <a:rPr kumimoji="1" lang="ja-JP" altLang="en-US" smtClean="0"/>
+              <a:rPr kumimoji="1" lang="ja-JP" altLang="en-US"/>
               <a:t>第 </a:t>
             </a:r>
             <a:r>
-              <a:rPr kumimoji="1" lang="en-US" altLang="ja-JP" smtClean="0"/>
+              <a:rPr kumimoji="1" lang="en-US" altLang="ja-JP"/>
               <a:t>3 </a:t>
             </a:r>
             <a:r>
-              <a:rPr kumimoji="1" lang="ja-JP" altLang="en-US" smtClean="0"/>
+              <a:rPr kumimoji="1" lang="ja-JP" altLang="en-US"/>
               <a:t>レベル</a:t>
             </a:r>
           </a:p>
           <a:p>
             <a:pPr lvl="3"/>
             <a:r>
-              <a:rPr kumimoji="1" lang="ja-JP" altLang="en-US" smtClean="0"/>
+              <a:rPr kumimoji="1" lang="ja-JP" altLang="en-US"/>
               <a:t>第 </a:t>
             </a:r>
             <a:r>
-              <a:rPr kumimoji="1" lang="en-US" altLang="ja-JP" smtClean="0"/>
+              <a:rPr kumimoji="1" lang="en-US" altLang="ja-JP"/>
               <a:t>4 </a:t>
             </a:r>
             <a:r>
-              <a:rPr kumimoji="1" lang="ja-JP" altLang="en-US" smtClean="0"/>
+              <a:rPr kumimoji="1" lang="ja-JP" altLang="en-US"/>
               <a:t>レベル</a:t>
             </a:r>
           </a:p>
           <a:p>
             <a:pPr lvl="4"/>
             <a:r>
-              <a:rPr kumimoji="1" lang="ja-JP" altLang="en-US" smtClean="0"/>
+              <a:rPr kumimoji="1" lang="ja-JP" altLang="en-US"/>
               <a:t>第 </a:t>
             </a:r>
             <a:r>
-              <a:rPr kumimoji="1" lang="en-US" altLang="ja-JP" smtClean="0"/>
+              <a:rPr kumimoji="1" lang="en-US" altLang="ja-JP"/>
               <a:t>5 </a:t>
             </a:r>
             <a:r>
-              <a:rPr kumimoji="1" lang="ja-JP" altLang="en-US" smtClean="0"/>
+              <a:rPr kumimoji="1" lang="ja-JP" altLang="en-US"/>
               <a:t>レベル</a:t>
             </a:r>
-            <a:endParaRPr kumimoji="1" lang="ja-JP" altLang="en-US"/>
           </a:p>
         </p:txBody>
       </p:sp>
@@ -1827,7 +1818,7 @@
           <a:p>
             <a:fld id="{11918F96-250B-4A73-B3FA-B761650A84C3}" type="datetimeFigureOut">
               <a:rPr kumimoji="1" lang="ja-JP" altLang="en-US" smtClean="0"/>
-              <a:t>2022/3/12</a:t>
+              <a:t>2022/3/27</a:t>
             </a:fld>
             <a:endParaRPr kumimoji="1" lang="ja-JP" altLang="en-US"/>
           </a:p>
@@ -1921,10 +1912,9 @@
           <a:lstStyle/>
           <a:p>
             <a:r>
-              <a:rPr kumimoji="1" lang="ja-JP" altLang="en-US" smtClean="0"/>
+              <a:rPr kumimoji="1" lang="ja-JP" altLang="en-US"/>
               <a:t>マスター タイトルの書式設定</a:t>
             </a:r>
-            <a:endParaRPr kumimoji="1" lang="ja-JP" altLang="en-US"/>
           </a:p>
         </p:txBody>
       </p:sp>
@@ -1945,7 +1935,7 @@
           <a:p>
             <a:fld id="{11918F96-250B-4A73-B3FA-B761650A84C3}" type="datetimeFigureOut">
               <a:rPr kumimoji="1" lang="ja-JP" altLang="en-US" smtClean="0"/>
-              <a:t>2022/3/12</a:t>
+              <a:t>2022/3/27</a:t>
             </a:fld>
             <a:endParaRPr kumimoji="1" lang="ja-JP" altLang="en-US"/>
           </a:p>
@@ -2040,7 +2030,7 @@
           <a:p>
             <a:fld id="{11918F96-250B-4A73-B3FA-B761650A84C3}" type="datetimeFigureOut">
               <a:rPr kumimoji="1" lang="ja-JP" altLang="en-US" smtClean="0"/>
-              <a:t>2022/3/12</a:t>
+              <a:t>2022/3/27</a:t>
             </a:fld>
             <a:endParaRPr kumimoji="1" lang="ja-JP" altLang="en-US"/>
           </a:p>
@@ -2143,10 +2133,9 @@
           </a:lstStyle>
           <a:p>
             <a:r>
-              <a:rPr kumimoji="1" lang="ja-JP" altLang="en-US" smtClean="0"/>
+              <a:rPr kumimoji="1" lang="ja-JP" altLang="en-US"/>
               <a:t>マスター タイトルの書式設定</a:t>
             </a:r>
-            <a:endParaRPr kumimoji="1" lang="ja-JP" altLang="en-US"/>
           </a:p>
         </p:txBody>
       </p:sp>
@@ -2200,70 +2189,69 @@
           <a:p>
             <a:pPr lvl="0"/>
             <a:r>
-              <a:rPr kumimoji="1" lang="ja-JP" altLang="en-US" smtClean="0"/>
+              <a:rPr kumimoji="1" lang="ja-JP" altLang="en-US"/>
               <a:t>マスター テキストの書式設定</a:t>
             </a:r>
           </a:p>
           <a:p>
             <a:pPr lvl="1"/>
             <a:r>
-              <a:rPr kumimoji="1" lang="ja-JP" altLang="en-US" smtClean="0"/>
+              <a:rPr kumimoji="1" lang="ja-JP" altLang="en-US"/>
               <a:t>第 </a:t>
             </a:r>
             <a:r>
-              <a:rPr kumimoji="1" lang="en-US" altLang="ja-JP" smtClean="0"/>
+              <a:rPr kumimoji="1" lang="en-US" altLang="ja-JP"/>
               <a:t>2 </a:t>
             </a:r>
             <a:r>
-              <a:rPr kumimoji="1" lang="ja-JP" altLang="en-US" smtClean="0"/>
+              <a:rPr kumimoji="1" lang="ja-JP" altLang="en-US"/>
               <a:t>レベル</a:t>
             </a:r>
           </a:p>
           <a:p>
             <a:pPr lvl="2"/>
             <a:r>
-              <a:rPr kumimoji="1" lang="ja-JP" altLang="en-US" smtClean="0"/>
+              <a:rPr kumimoji="1" lang="ja-JP" altLang="en-US"/>
               <a:t>第 </a:t>
             </a:r>
             <a:r>
-              <a:rPr kumimoji="1" lang="en-US" altLang="ja-JP" smtClean="0"/>
+              <a:rPr kumimoji="1" lang="en-US" altLang="ja-JP"/>
               <a:t>3 </a:t>
             </a:r>
             <a:r>
-              <a:rPr kumimoji="1" lang="ja-JP" altLang="en-US" smtClean="0"/>
+              <a:rPr kumimoji="1" lang="ja-JP" altLang="en-US"/>
               <a:t>レベル</a:t>
             </a:r>
           </a:p>
           <a:p>
             <a:pPr lvl="3"/>
             <a:r>
-              <a:rPr kumimoji="1" lang="ja-JP" altLang="en-US" smtClean="0"/>
+              <a:rPr kumimoji="1" lang="ja-JP" altLang="en-US"/>
               <a:t>第 </a:t>
             </a:r>
             <a:r>
-              <a:rPr kumimoji="1" lang="en-US" altLang="ja-JP" smtClean="0"/>
+              <a:rPr kumimoji="1" lang="en-US" altLang="ja-JP"/>
               <a:t>4 </a:t>
             </a:r>
             <a:r>
-              <a:rPr kumimoji="1" lang="ja-JP" altLang="en-US" smtClean="0"/>
+              <a:rPr kumimoji="1" lang="ja-JP" altLang="en-US"/>
               <a:t>レベル</a:t>
             </a:r>
           </a:p>
           <a:p>
             <a:pPr lvl="4"/>
             <a:r>
-              <a:rPr kumimoji="1" lang="ja-JP" altLang="en-US" smtClean="0"/>
+              <a:rPr kumimoji="1" lang="ja-JP" altLang="en-US"/>
               <a:t>第 </a:t>
             </a:r>
             <a:r>
-              <a:rPr kumimoji="1" lang="en-US" altLang="ja-JP" smtClean="0"/>
+              <a:rPr kumimoji="1" lang="en-US" altLang="ja-JP"/>
               <a:t>5 </a:t>
             </a:r>
             <a:r>
-              <a:rPr kumimoji="1" lang="ja-JP" altLang="en-US" smtClean="0"/>
+              <a:rPr kumimoji="1" lang="ja-JP" altLang="en-US"/>
               <a:t>レベル</a:t>
             </a:r>
-            <a:endParaRPr kumimoji="1" lang="ja-JP" altLang="en-US"/>
           </a:p>
         </p:txBody>
       </p:sp>
@@ -2326,7 +2314,7 @@
           <a:p>
             <a:pPr lvl="0"/>
             <a:r>
-              <a:rPr kumimoji="1" lang="ja-JP" altLang="en-US" smtClean="0"/>
+              <a:rPr kumimoji="1" lang="ja-JP" altLang="en-US"/>
               <a:t>マスター テキストの書式設定</a:t>
             </a:r>
           </a:p>
@@ -2349,7 +2337,7 @@
           <a:p>
             <a:fld id="{11918F96-250B-4A73-B3FA-B761650A84C3}" type="datetimeFigureOut">
               <a:rPr kumimoji="1" lang="ja-JP" altLang="en-US" smtClean="0"/>
-              <a:t>2022/3/12</a:t>
+              <a:t>2022/3/27</a:t>
             </a:fld>
             <a:endParaRPr kumimoji="1" lang="ja-JP" altLang="en-US"/>
           </a:p>
@@ -2452,10 +2440,9 @@
           </a:lstStyle>
           <a:p>
             <a:r>
-              <a:rPr kumimoji="1" lang="ja-JP" altLang="en-US" smtClean="0"/>
+              <a:rPr kumimoji="1" lang="ja-JP" altLang="en-US"/>
               <a:t>マスター タイトルの書式設定</a:t>
             </a:r>
-            <a:endParaRPr kumimoji="1" lang="ja-JP" altLang="en-US"/>
           </a:p>
         </p:txBody>
       </p:sp>
@@ -2579,7 +2566,7 @@
           <a:p>
             <a:pPr lvl="0"/>
             <a:r>
-              <a:rPr kumimoji="1" lang="ja-JP" altLang="en-US" smtClean="0"/>
+              <a:rPr kumimoji="1" lang="ja-JP" altLang="en-US"/>
               <a:t>マスター テキストの書式設定</a:t>
             </a:r>
           </a:p>
@@ -2602,7 +2589,7 @@
           <a:p>
             <a:fld id="{11918F96-250B-4A73-B3FA-B761650A84C3}" type="datetimeFigureOut">
               <a:rPr kumimoji="1" lang="ja-JP" altLang="en-US" smtClean="0"/>
-              <a:t>2022/3/12</a:t>
+              <a:t>2022/3/27</a:t>
             </a:fld>
             <a:endParaRPr kumimoji="1" lang="ja-JP" altLang="en-US"/>
           </a:p>
@@ -2711,10 +2698,9 @@
           <a:lstStyle/>
           <a:p>
             <a:r>
-              <a:rPr kumimoji="1" lang="ja-JP" altLang="en-US" smtClean="0"/>
+              <a:rPr kumimoji="1" lang="ja-JP" altLang="en-US"/>
               <a:t>マスター タイトルの書式設定</a:t>
             </a:r>
-            <a:endParaRPr kumimoji="1" lang="ja-JP" altLang="en-US"/>
           </a:p>
         </p:txBody>
       </p:sp>
@@ -2745,70 +2731,69 @@
           <a:p>
             <a:pPr lvl="0"/>
             <a:r>
-              <a:rPr kumimoji="1" lang="ja-JP" altLang="en-US" smtClean="0"/>
+              <a:rPr kumimoji="1" lang="ja-JP" altLang="en-US"/>
               <a:t>マスター テキストの書式設定</a:t>
             </a:r>
           </a:p>
           <a:p>
             <a:pPr lvl="1"/>
             <a:r>
-              <a:rPr kumimoji="1" lang="ja-JP" altLang="en-US" smtClean="0"/>
+              <a:rPr kumimoji="1" lang="ja-JP" altLang="en-US"/>
               <a:t>第 </a:t>
             </a:r>
             <a:r>
-              <a:rPr kumimoji="1" lang="en-US" altLang="ja-JP" smtClean="0"/>
+              <a:rPr kumimoji="1" lang="en-US" altLang="ja-JP"/>
               <a:t>2 </a:t>
             </a:r>
             <a:r>
-              <a:rPr kumimoji="1" lang="ja-JP" altLang="en-US" smtClean="0"/>
+              <a:rPr kumimoji="1" lang="ja-JP" altLang="en-US"/>
               <a:t>レベル</a:t>
             </a:r>
           </a:p>
           <a:p>
             <a:pPr lvl="2"/>
             <a:r>
-              <a:rPr kumimoji="1" lang="ja-JP" altLang="en-US" smtClean="0"/>
+              <a:rPr kumimoji="1" lang="ja-JP" altLang="en-US"/>
               <a:t>第 </a:t>
             </a:r>
             <a:r>
-              <a:rPr kumimoji="1" lang="en-US" altLang="ja-JP" smtClean="0"/>
+              <a:rPr kumimoji="1" lang="en-US" altLang="ja-JP"/>
               <a:t>3 </a:t>
             </a:r>
             <a:r>
-              <a:rPr kumimoji="1" lang="ja-JP" altLang="en-US" smtClean="0"/>
+              <a:rPr kumimoji="1" lang="ja-JP" altLang="en-US"/>
               <a:t>レベル</a:t>
             </a:r>
           </a:p>
           <a:p>
             <a:pPr lvl="3"/>
             <a:r>
-              <a:rPr kumimoji="1" lang="ja-JP" altLang="en-US" smtClean="0"/>
+              <a:rPr kumimoji="1" lang="ja-JP" altLang="en-US"/>
               <a:t>第 </a:t>
             </a:r>
             <a:r>
-              <a:rPr kumimoji="1" lang="en-US" altLang="ja-JP" smtClean="0"/>
+              <a:rPr kumimoji="1" lang="en-US" altLang="ja-JP"/>
               <a:t>4 </a:t>
             </a:r>
             <a:r>
-              <a:rPr kumimoji="1" lang="ja-JP" altLang="en-US" smtClean="0"/>
+              <a:rPr kumimoji="1" lang="ja-JP" altLang="en-US"/>
               <a:t>レベル</a:t>
             </a:r>
           </a:p>
           <a:p>
             <a:pPr lvl="4"/>
             <a:r>
-              <a:rPr kumimoji="1" lang="ja-JP" altLang="en-US" smtClean="0"/>
+              <a:rPr kumimoji="1" lang="ja-JP" altLang="en-US"/>
               <a:t>第 </a:t>
             </a:r>
             <a:r>
-              <a:rPr kumimoji="1" lang="en-US" altLang="ja-JP" smtClean="0"/>
+              <a:rPr kumimoji="1" lang="en-US" altLang="ja-JP"/>
               <a:t>5 </a:t>
             </a:r>
             <a:r>
-              <a:rPr kumimoji="1" lang="ja-JP" altLang="en-US" smtClean="0"/>
+              <a:rPr kumimoji="1" lang="ja-JP" altLang="en-US"/>
               <a:t>レベル</a:t>
             </a:r>
-            <a:endParaRPr kumimoji="1" lang="ja-JP" altLang="en-US"/>
           </a:p>
         </p:txBody>
       </p:sp>
@@ -2847,7 +2832,7 @@
           <a:p>
             <a:fld id="{11918F96-250B-4A73-B3FA-B761650A84C3}" type="datetimeFigureOut">
               <a:rPr kumimoji="1" lang="ja-JP" altLang="en-US" smtClean="0"/>
-              <a:t>2022/3/12</a:t>
+              <a:t>2022/3/27</a:t>
             </a:fld>
             <a:endParaRPr kumimoji="1" lang="ja-JP" altLang="en-US"/>
           </a:p>
@@ -3365,13 +3350,72 @@
               <a:srgbClr val="FFFFFF"/>
             </a:contourClr>
           </a:sp3d>
-          <a:extLst/>
         </p:spPr>
       </p:pic>
     </p:spTree>
     <p:extLst>
       <p:ext uri="{BB962C8B-B14F-4D97-AF65-F5344CB8AC3E}">
         <p14:creationId xmlns:p14="http://schemas.microsoft.com/office/powerpoint/2010/main" val="2009323612"/>
+      </p:ext>
+    </p:extLst>
+  </p:cSld>
+  <p:clrMapOvr>
+    <a:masterClrMapping/>
+  </p:clrMapOvr>
+</p:sld>
+</file>
+
+<file path=ppt/slides/slide2.xml><?xml version="1.0" encoding="utf-8"?>
+<p:sld xmlns:a="http://schemas.openxmlformats.org/drawingml/2006/main" xmlns:r="http://schemas.openxmlformats.org/officeDocument/2006/relationships" xmlns:p="http://schemas.openxmlformats.org/presentationml/2006/main">
+  <p:cSld>
+    <p:spTree>
+      <p:nvGrpSpPr>
+        <p:cNvPr id="1" name=""/>
+        <p:cNvGrpSpPr/>
+        <p:nvPr/>
+      </p:nvGrpSpPr>
+      <p:grpSpPr>
+        <a:xfrm>
+          <a:off x="0" y="0"/>
+          <a:ext cx="0" cy="0"/>
+          <a:chOff x="0" y="0"/>
+          <a:chExt cx="0" cy="0"/>
+        </a:xfrm>
+      </p:grpSpPr>
+      <p:pic>
+        <p:nvPicPr>
+          <p:cNvPr id="13" name="図 12">
+            <a:extLst>
+              <a:ext uri="{FF2B5EF4-FFF2-40B4-BE49-F238E27FC236}">
+                <a16:creationId xmlns:a16="http://schemas.microsoft.com/office/drawing/2014/main" id="{B1582D31-3DE0-452E-8035-84931161F704}"/>
+              </a:ext>
+            </a:extLst>
+          </p:cNvPr>
+          <p:cNvPicPr>
+            <a:picLocks noChangeAspect="1"/>
+          </p:cNvPicPr>
+          <p:nvPr/>
+        </p:nvPicPr>
+        <p:blipFill>
+          <a:blip r:embed="rId2"/>
+          <a:stretch>
+            <a:fillRect/>
+          </a:stretch>
+        </p:blipFill>
+        <p:spPr>
+          <a:xfrm>
+            <a:off x="241031" y="1002323"/>
+            <a:ext cx="11709938" cy="4853354"/>
+          </a:xfrm>
+          <a:prstGeom prst="rect">
+            <a:avLst/>
+          </a:prstGeom>
+        </p:spPr>
+      </p:pic>
+    </p:spTree>
+    <p:extLst>
+      <p:ext uri="{BB962C8B-B14F-4D97-AF65-F5344CB8AC3E}">
+        <p14:creationId xmlns:p14="http://schemas.microsoft.com/office/powerpoint/2010/main" val="2486590158"/>
       </p:ext>
     </p:extLst>
   </p:cSld>

--- a/figs/figs.pptx
+++ b/figs/figs.pptx
@@ -7,6 +7,8 @@
   <p:sldIdLst>
     <p:sldId id="256" r:id="rId2"/>
     <p:sldId id="257" r:id="rId3"/>
+    <p:sldId id="258" r:id="rId4"/>
+    <p:sldId id="259" r:id="rId5"/>
   </p:sldIdLst>
   <p:sldSz cx="12192000" cy="6858000"/>
   <p:notesSz cx="6858000" cy="9144000"/>
@@ -242,7 +244,7 @@
           <a:p>
             <a:fld id="{11918F96-250B-4A73-B3FA-B761650A84C3}" type="datetimeFigureOut">
               <a:rPr kumimoji="1" lang="ja-JP" altLang="en-US" smtClean="0"/>
-              <a:t>2022/3/27</a:t>
+              <a:t>2022/3/28</a:t>
             </a:fld>
             <a:endParaRPr kumimoji="1" lang="ja-JP" altLang="en-US"/>
           </a:p>
@@ -442,7 +444,7 @@
           <a:p>
             <a:fld id="{11918F96-250B-4A73-B3FA-B761650A84C3}" type="datetimeFigureOut">
               <a:rPr kumimoji="1" lang="ja-JP" altLang="en-US" smtClean="0"/>
-              <a:t>2022/3/27</a:t>
+              <a:t>2022/3/28</a:t>
             </a:fld>
             <a:endParaRPr kumimoji="1" lang="ja-JP" altLang="en-US"/>
           </a:p>
@@ -652,7 +654,7 @@
           <a:p>
             <a:fld id="{11918F96-250B-4A73-B3FA-B761650A84C3}" type="datetimeFigureOut">
               <a:rPr kumimoji="1" lang="ja-JP" altLang="en-US" smtClean="0"/>
-              <a:t>2022/3/27</a:t>
+              <a:t>2022/3/28</a:t>
             </a:fld>
             <a:endParaRPr kumimoji="1" lang="ja-JP" altLang="en-US"/>
           </a:p>
@@ -852,7 +854,7 @@
           <a:p>
             <a:fld id="{11918F96-250B-4A73-B3FA-B761650A84C3}" type="datetimeFigureOut">
               <a:rPr kumimoji="1" lang="ja-JP" altLang="en-US" smtClean="0"/>
-              <a:t>2022/3/27</a:t>
+              <a:t>2022/3/28</a:t>
             </a:fld>
             <a:endParaRPr kumimoji="1" lang="ja-JP" altLang="en-US"/>
           </a:p>
@@ -1097,7 +1099,7 @@
           <a:p>
             <a:fld id="{11918F96-250B-4A73-B3FA-B761650A84C3}" type="datetimeFigureOut">
               <a:rPr kumimoji="1" lang="ja-JP" altLang="en-US" smtClean="0"/>
-              <a:t>2022/3/27</a:t>
+              <a:t>2022/3/28</a:t>
             </a:fld>
             <a:endParaRPr kumimoji="1" lang="ja-JP" altLang="en-US"/>
           </a:p>
@@ -1390,7 +1392,7 @@
           <a:p>
             <a:fld id="{11918F96-250B-4A73-B3FA-B761650A84C3}" type="datetimeFigureOut">
               <a:rPr kumimoji="1" lang="ja-JP" altLang="en-US" smtClean="0"/>
-              <a:t>2022/3/27</a:t>
+              <a:t>2022/3/28</a:t>
             </a:fld>
             <a:endParaRPr kumimoji="1" lang="ja-JP" altLang="en-US"/>
           </a:p>
@@ -1818,7 +1820,7 @@
           <a:p>
             <a:fld id="{11918F96-250B-4A73-B3FA-B761650A84C3}" type="datetimeFigureOut">
               <a:rPr kumimoji="1" lang="ja-JP" altLang="en-US" smtClean="0"/>
-              <a:t>2022/3/27</a:t>
+              <a:t>2022/3/28</a:t>
             </a:fld>
             <a:endParaRPr kumimoji="1" lang="ja-JP" altLang="en-US"/>
           </a:p>
@@ -1935,7 +1937,7 @@
           <a:p>
             <a:fld id="{11918F96-250B-4A73-B3FA-B761650A84C3}" type="datetimeFigureOut">
               <a:rPr kumimoji="1" lang="ja-JP" altLang="en-US" smtClean="0"/>
-              <a:t>2022/3/27</a:t>
+              <a:t>2022/3/28</a:t>
             </a:fld>
             <a:endParaRPr kumimoji="1" lang="ja-JP" altLang="en-US"/>
           </a:p>
@@ -2030,7 +2032,7 @@
           <a:p>
             <a:fld id="{11918F96-250B-4A73-B3FA-B761650A84C3}" type="datetimeFigureOut">
               <a:rPr kumimoji="1" lang="ja-JP" altLang="en-US" smtClean="0"/>
-              <a:t>2022/3/27</a:t>
+              <a:t>2022/3/28</a:t>
             </a:fld>
             <a:endParaRPr kumimoji="1" lang="ja-JP" altLang="en-US"/>
           </a:p>
@@ -2337,7 +2339,7 @@
           <a:p>
             <a:fld id="{11918F96-250B-4A73-B3FA-B761650A84C3}" type="datetimeFigureOut">
               <a:rPr kumimoji="1" lang="ja-JP" altLang="en-US" smtClean="0"/>
-              <a:t>2022/3/27</a:t>
+              <a:t>2022/3/28</a:t>
             </a:fld>
             <a:endParaRPr kumimoji="1" lang="ja-JP" altLang="en-US"/>
           </a:p>
@@ -2589,7 +2591,7 @@
           <a:p>
             <a:fld id="{11918F96-250B-4A73-B3FA-B761650A84C3}" type="datetimeFigureOut">
               <a:rPr kumimoji="1" lang="ja-JP" altLang="en-US" smtClean="0"/>
-              <a:t>2022/3/27</a:t>
+              <a:t>2022/3/28</a:t>
             </a:fld>
             <a:endParaRPr kumimoji="1" lang="ja-JP" altLang="en-US"/>
           </a:p>
@@ -2832,7 +2834,7 @@
           <a:p>
             <a:fld id="{11918F96-250B-4A73-B3FA-B761650A84C3}" type="datetimeFigureOut">
               <a:rPr kumimoji="1" lang="ja-JP" altLang="en-US" smtClean="0"/>
-              <a:t>2022/3/27</a:t>
+              <a:t>2022/3/28</a:t>
             </a:fld>
             <a:endParaRPr kumimoji="1" lang="ja-JP" altLang="en-US"/>
           </a:p>
@@ -3425,6 +3427,380 @@
 </p:sld>
 </file>
 
+<file path=ppt/slides/slide3.xml><?xml version="1.0" encoding="utf-8"?>
+<p:sld xmlns:a="http://schemas.openxmlformats.org/drawingml/2006/main" xmlns:r="http://schemas.openxmlformats.org/officeDocument/2006/relationships" xmlns:p="http://schemas.openxmlformats.org/presentationml/2006/main">
+  <p:cSld>
+    <p:spTree>
+      <p:nvGrpSpPr>
+        <p:cNvPr id="1" name=""/>
+        <p:cNvGrpSpPr/>
+        <p:nvPr/>
+      </p:nvGrpSpPr>
+      <p:grpSpPr>
+        <a:xfrm>
+          <a:off x="0" y="0"/>
+          <a:ext cx="0" cy="0"/>
+          <a:chOff x="0" y="0"/>
+          <a:chExt cx="0" cy="0"/>
+        </a:xfrm>
+      </p:grpSpPr>
+      <p:pic>
+        <p:nvPicPr>
+          <p:cNvPr id="2" name="図 1"/>
+          <p:cNvPicPr>
+            <a:picLocks noChangeAspect="1"/>
+          </p:cNvPicPr>
+          <p:nvPr/>
+        </p:nvPicPr>
+        <p:blipFill>
+          <a:blip r:embed="rId2">
+            <a:extLst>
+              <a:ext uri="{28A0092B-C50C-407E-A947-70E740481C1C}">
+                <a14:useLocalDpi xmlns:a14="http://schemas.microsoft.com/office/drawing/2010/main" val="0"/>
+              </a:ext>
+            </a:extLst>
+          </a:blip>
+          <a:stretch>
+            <a:fillRect/>
+          </a:stretch>
+        </p:blipFill>
+        <p:spPr>
+          <a:xfrm>
+            <a:off x="1353312" y="485236"/>
+            <a:ext cx="10184207" cy="5941465"/>
+          </a:xfrm>
+          <a:prstGeom prst="rect">
+            <a:avLst/>
+          </a:prstGeom>
+        </p:spPr>
+      </p:pic>
+      <p:sp>
+        <p:nvSpPr>
+          <p:cNvPr id="3" name="角丸四角形 2"/>
+          <p:cNvSpPr/>
+          <p:nvPr/>
+        </p:nvSpPr>
+        <p:spPr>
+          <a:xfrm>
+            <a:off x="3264408" y="2029968"/>
+            <a:ext cx="8001000" cy="2990088"/>
+          </a:xfrm>
+          <a:prstGeom prst="roundRect">
+            <a:avLst/>
+          </a:prstGeom>
+          <a:solidFill>
+            <a:srgbClr val="002060"/>
+          </a:solidFill>
+        </p:spPr>
+        <p:style>
+          <a:lnRef idx="2">
+            <a:schemeClr val="accent1">
+              <a:shade val="50000"/>
+            </a:schemeClr>
+          </a:lnRef>
+          <a:fillRef idx="1">
+            <a:schemeClr val="accent1"/>
+          </a:fillRef>
+          <a:effectRef idx="0">
+            <a:schemeClr val="accent1"/>
+          </a:effectRef>
+          <a:fontRef idx="minor">
+            <a:schemeClr val="lt1"/>
+          </a:fontRef>
+        </p:style>
+        <p:txBody>
+          <a:bodyPr rtlCol="0" anchor="ctr"/>
+          <a:lstStyle/>
+          <a:p>
+            <a:pPr algn="ctr"/>
+            <a:r>
+              <a:rPr lang="ja-JP" altLang="en-US" sz="2400" b="1" dirty="0"/>
+              <a:t>この中</a:t>
+            </a:r>
+            <a:r>
+              <a:rPr lang="ja-JP" altLang="en-US" sz="2400" b="1" dirty="0" smtClean="0"/>
+              <a:t>にフォルダを作って枝分かれさせていくことで、</a:t>
+            </a:r>
+            <a:endParaRPr lang="en-US" altLang="ja-JP" sz="2400" b="1" dirty="0" smtClean="0"/>
+          </a:p>
+          <a:p>
+            <a:pPr algn="ctr"/>
+            <a:r>
+              <a:rPr kumimoji="1" lang="ja-JP" altLang="en-US" sz="2400" b="1" dirty="0" smtClean="0"/>
+              <a:t>どのフォルダの中身が何の作業のためにあるのかを</a:t>
+            </a:r>
+            <a:endParaRPr kumimoji="1" lang="en-US" altLang="ja-JP" sz="2400" b="1" dirty="0" smtClean="0"/>
+          </a:p>
+          <a:p>
+            <a:pPr algn="ctr"/>
+            <a:r>
+              <a:rPr lang="ja-JP" altLang="en-US" sz="2400" b="1" dirty="0"/>
+              <a:t>識別すること</a:t>
+            </a:r>
+            <a:r>
+              <a:rPr lang="ja-JP" altLang="en-US" sz="2400" b="1" dirty="0" smtClean="0"/>
+              <a:t>ができる</a:t>
+            </a:r>
+            <a:endParaRPr lang="en-US" altLang="ja-JP" sz="2400" b="1" dirty="0" smtClean="0"/>
+          </a:p>
+          <a:p>
+            <a:pPr algn="ctr"/>
+            <a:endParaRPr kumimoji="1" lang="en-US" altLang="ja-JP" sz="2400" b="1" dirty="0"/>
+          </a:p>
+          <a:p>
+            <a:pPr algn="ctr"/>
+            <a:r>
+              <a:rPr lang="en-US" altLang="ja-JP" sz="2400" b="1" dirty="0" smtClean="0"/>
+              <a:t>R</a:t>
+            </a:r>
+            <a:r>
+              <a:rPr lang="ja-JP" altLang="en-US" sz="2400" b="1" dirty="0" smtClean="0"/>
+              <a:t>が目的のファイルを見つけやすい構造</a:t>
+            </a:r>
+            <a:endParaRPr kumimoji="1" lang="ja-JP" altLang="en-US" sz="2400" b="1" dirty="0"/>
+          </a:p>
+        </p:txBody>
+      </p:sp>
+    </p:spTree>
+    <p:extLst>
+      <p:ext uri="{BB962C8B-B14F-4D97-AF65-F5344CB8AC3E}">
+        <p14:creationId xmlns:p14="http://schemas.microsoft.com/office/powerpoint/2010/main" val="680612877"/>
+      </p:ext>
+    </p:extLst>
+  </p:cSld>
+  <p:clrMapOvr>
+    <a:masterClrMapping/>
+  </p:clrMapOvr>
+</p:sld>
+</file>
+
+<file path=ppt/slides/slide4.xml><?xml version="1.0" encoding="utf-8"?>
+<p:sld xmlns:a="http://schemas.openxmlformats.org/drawingml/2006/main" xmlns:r="http://schemas.openxmlformats.org/officeDocument/2006/relationships" xmlns:p="http://schemas.openxmlformats.org/presentationml/2006/main">
+  <p:cSld>
+    <p:spTree>
+      <p:nvGrpSpPr>
+        <p:cNvPr id="1" name=""/>
+        <p:cNvGrpSpPr/>
+        <p:nvPr/>
+      </p:nvGrpSpPr>
+      <p:grpSpPr>
+        <a:xfrm>
+          <a:off x="0" y="0"/>
+          <a:ext cx="0" cy="0"/>
+          <a:chOff x="0" y="0"/>
+          <a:chExt cx="0" cy="0"/>
+        </a:xfrm>
+      </p:grpSpPr>
+      <p:pic>
+        <p:nvPicPr>
+          <p:cNvPr id="2" name="図 1"/>
+          <p:cNvPicPr>
+            <a:picLocks noChangeAspect="1"/>
+          </p:cNvPicPr>
+          <p:nvPr/>
+        </p:nvPicPr>
+        <p:blipFill>
+          <a:blip r:embed="rId2">
+            <a:extLst>
+              <a:ext uri="{28A0092B-C50C-407E-A947-70E740481C1C}">
+                <a14:useLocalDpi xmlns:a14="http://schemas.microsoft.com/office/drawing/2010/main" val="0"/>
+              </a:ext>
+            </a:extLst>
+          </a:blip>
+          <a:stretch>
+            <a:fillRect/>
+          </a:stretch>
+        </p:blipFill>
+        <p:spPr>
+          <a:xfrm>
+            <a:off x="2112264" y="977286"/>
+            <a:ext cx="8686799" cy="5024391"/>
+          </a:xfrm>
+          <a:prstGeom prst="rect">
+            <a:avLst/>
+          </a:prstGeom>
+        </p:spPr>
+      </p:pic>
+      <p:sp>
+        <p:nvSpPr>
+          <p:cNvPr id="3" name="正方形/長方形 2"/>
+          <p:cNvSpPr/>
+          <p:nvPr/>
+        </p:nvSpPr>
+        <p:spPr>
+          <a:xfrm>
+            <a:off x="2112264" y="777240"/>
+            <a:ext cx="5623560" cy="786384"/>
+          </a:xfrm>
+          <a:prstGeom prst="rect">
+            <a:avLst/>
+          </a:prstGeom>
+          <a:noFill/>
+          <a:ln w="76200">
+            <a:solidFill>
+              <a:srgbClr val="C00000"/>
+            </a:solidFill>
+          </a:ln>
+        </p:spPr>
+        <p:style>
+          <a:lnRef idx="2">
+            <a:schemeClr val="accent1">
+              <a:shade val="50000"/>
+            </a:schemeClr>
+          </a:lnRef>
+          <a:fillRef idx="1">
+            <a:schemeClr val="accent1"/>
+          </a:fillRef>
+          <a:effectRef idx="0">
+            <a:schemeClr val="accent1"/>
+          </a:effectRef>
+          <a:fontRef idx="minor">
+            <a:schemeClr val="lt1"/>
+          </a:fontRef>
+        </p:style>
+        <p:txBody>
+          <a:bodyPr rtlCol="0" anchor="ctr"/>
+          <a:lstStyle/>
+          <a:p>
+            <a:pPr algn="ctr"/>
+            <a:endParaRPr kumimoji="1" lang="ja-JP" altLang="en-US"/>
+          </a:p>
+        </p:txBody>
+      </p:sp>
+      <p:cxnSp>
+        <p:nvCxnSpPr>
+          <p:cNvPr id="5" name="直線コネクタ 4"/>
+          <p:cNvCxnSpPr>
+            <a:stCxn id="3" idx="2"/>
+            <a:endCxn id="6" idx="0"/>
+          </p:cNvCxnSpPr>
+          <p:nvPr/>
+        </p:nvCxnSpPr>
+        <p:spPr>
+          <a:xfrm>
+            <a:off x="4924044" y="1563624"/>
+            <a:ext cx="1179576" cy="2352276"/>
+          </a:xfrm>
+          <a:prstGeom prst="line">
+            <a:avLst/>
+          </a:prstGeom>
+          <a:ln w="76200">
+            <a:solidFill>
+              <a:srgbClr val="002060"/>
+            </a:solidFill>
+          </a:ln>
+        </p:spPr>
+        <p:style>
+          <a:lnRef idx="1">
+            <a:schemeClr val="accent1"/>
+          </a:lnRef>
+          <a:fillRef idx="0">
+            <a:schemeClr val="accent1"/>
+          </a:fillRef>
+          <a:effectRef idx="0">
+            <a:schemeClr val="accent1"/>
+          </a:effectRef>
+          <a:fontRef idx="minor">
+            <a:schemeClr val="tx1"/>
+          </a:fontRef>
+        </p:style>
+      </p:cxnSp>
+      <p:sp>
+        <p:nvSpPr>
+          <p:cNvPr id="6" name="テキスト ボックス 5"/>
+          <p:cNvSpPr txBox="1"/>
+          <p:nvPr/>
+        </p:nvSpPr>
+        <p:spPr>
+          <a:xfrm>
+            <a:off x="2697480" y="3915900"/>
+            <a:ext cx="6812279" cy="1077218"/>
+          </a:xfrm>
+          <a:prstGeom prst="rect">
+            <a:avLst/>
+          </a:prstGeom>
+          <a:noFill/>
+          <a:ln w="57150">
+            <a:solidFill>
+              <a:srgbClr val="C00000"/>
+            </a:solidFill>
+          </a:ln>
+        </p:spPr>
+        <p:txBody>
+          <a:bodyPr wrap="square" rtlCol="0">
+            <a:spAutoFit/>
+          </a:bodyPr>
+          <a:lstStyle/>
+          <a:p>
+            <a:r>
+              <a:rPr lang="ja-JP" altLang="en-US" sz="3200" b="1" dirty="0">
+                <a:solidFill>
+                  <a:srgbClr val="002060"/>
+                </a:solidFill>
+              </a:rPr>
+              <a:t>クリックする</a:t>
+            </a:r>
+            <a:r>
+              <a:rPr lang="ja-JP" altLang="en-US" sz="3200" b="1" dirty="0" smtClean="0">
+                <a:solidFill>
+                  <a:srgbClr val="002060"/>
+                </a:solidFill>
+              </a:rPr>
+              <a:t>とそのフォルダの住所 </a:t>
+            </a:r>
+            <a:r>
+              <a:rPr lang="en-US" altLang="ja-JP" sz="3200" b="1" dirty="0" smtClean="0">
+                <a:solidFill>
+                  <a:srgbClr val="002060"/>
+                </a:solidFill>
+              </a:rPr>
+              <a:t>(</a:t>
+            </a:r>
+            <a:r>
+              <a:rPr lang="ja-JP" altLang="en-US" sz="3200" b="1" dirty="0" smtClean="0">
+                <a:solidFill>
+                  <a:srgbClr val="002060"/>
+                </a:solidFill>
+              </a:rPr>
+              <a:t>パス、ディレクトリ</a:t>
+            </a:r>
+            <a:r>
+              <a:rPr lang="en-US" altLang="ja-JP" sz="3200" b="1" dirty="0" smtClean="0">
+                <a:solidFill>
+                  <a:srgbClr val="002060"/>
+                </a:solidFill>
+              </a:rPr>
+              <a:t>) </a:t>
+            </a:r>
+            <a:r>
+              <a:rPr lang="ja-JP" altLang="en-US" sz="3200" b="1" dirty="0" smtClean="0">
+                <a:solidFill>
+                  <a:srgbClr val="002060"/>
+                </a:solidFill>
+              </a:rPr>
+              <a:t>が表示される</a:t>
+            </a:r>
+            <a:endParaRPr kumimoji="1" lang="ja-JP" altLang="en-US" sz="3200" b="1" dirty="0">
+              <a:solidFill>
+                <a:srgbClr val="002060"/>
+              </a:solidFill>
+            </a:endParaRPr>
+          </a:p>
+        </p:txBody>
+      </p:sp>
+    </p:spTree>
+    <p:extLst>
+      <p:ext uri="{BB962C8B-B14F-4D97-AF65-F5344CB8AC3E}">
+        <p14:creationId xmlns:p14="http://schemas.microsoft.com/office/powerpoint/2010/main" val="991019438"/>
+      </p:ext>
+    </p:extLst>
+  </p:cSld>
+  <p:clrMapOvr>
+    <a:masterClrMapping/>
+  </p:clrMapOvr>
+</p:sld>
+</file>
+
 <file path=ppt/theme/theme1.xml><?xml version="1.0" encoding="utf-8"?>
 <a:theme xmlns:a="http://schemas.openxmlformats.org/drawingml/2006/main" name="Office テーマ">
   <a:themeElements>
